--- a/sourceFile/Project2/개인프로젝트2_순서도.pptx
+++ b/sourceFile/Project2/개인프로젝트2_순서도.pptx
@@ -9,6 +9,7 @@
     <p:sldId id="258" r:id="rId3"/>
     <p:sldId id="259" r:id="rId4"/>
     <p:sldId id="260" r:id="rId5"/>
+    <p:sldId id="261" r:id="rId6"/>
   </p:sldIdLst>
   <p:sldSz cx="12192000" cy="6858000"/>
   <p:notesSz cx="6858000" cy="9144000"/>
@@ -262,7 +263,7 @@
           <a:p>
             <a:fld id="{1EA5F87C-6888-48AE-A515-9F02947AF35E}" type="datetimeFigureOut">
               <a:rPr lang="ko-KR" altLang="en-US" smtClean="0"/>
-              <a:t>2018-05-09</a:t>
+              <a:t>2018-05-15</a:t>
             </a:fld>
             <a:endParaRPr lang="ko-KR" altLang="en-US"/>
           </a:p>
@@ -460,7 +461,7 @@
           <a:p>
             <a:fld id="{1EA5F87C-6888-48AE-A515-9F02947AF35E}" type="datetimeFigureOut">
               <a:rPr lang="ko-KR" altLang="en-US" smtClean="0"/>
-              <a:t>2018-05-09</a:t>
+              <a:t>2018-05-15</a:t>
             </a:fld>
             <a:endParaRPr lang="ko-KR" altLang="en-US"/>
           </a:p>
@@ -668,7 +669,7 @@
           <a:p>
             <a:fld id="{1EA5F87C-6888-48AE-A515-9F02947AF35E}" type="datetimeFigureOut">
               <a:rPr lang="ko-KR" altLang="en-US" smtClean="0"/>
-              <a:t>2018-05-09</a:t>
+              <a:t>2018-05-15</a:t>
             </a:fld>
             <a:endParaRPr lang="ko-KR" altLang="en-US"/>
           </a:p>
@@ -866,7 +867,7 @@
           <a:p>
             <a:fld id="{1EA5F87C-6888-48AE-A515-9F02947AF35E}" type="datetimeFigureOut">
               <a:rPr lang="ko-KR" altLang="en-US" smtClean="0"/>
-              <a:t>2018-05-09</a:t>
+              <a:t>2018-05-15</a:t>
             </a:fld>
             <a:endParaRPr lang="ko-KR" altLang="en-US"/>
           </a:p>
@@ -1141,7 +1142,7 @@
           <a:p>
             <a:fld id="{1EA5F87C-6888-48AE-A515-9F02947AF35E}" type="datetimeFigureOut">
               <a:rPr lang="ko-KR" altLang="en-US" smtClean="0"/>
-              <a:t>2018-05-09</a:t>
+              <a:t>2018-05-15</a:t>
             </a:fld>
             <a:endParaRPr lang="ko-KR" altLang="en-US"/>
           </a:p>
@@ -1406,7 +1407,7 @@
           <a:p>
             <a:fld id="{1EA5F87C-6888-48AE-A515-9F02947AF35E}" type="datetimeFigureOut">
               <a:rPr lang="ko-KR" altLang="en-US" smtClean="0"/>
-              <a:t>2018-05-09</a:t>
+              <a:t>2018-05-15</a:t>
             </a:fld>
             <a:endParaRPr lang="ko-KR" altLang="en-US"/>
           </a:p>
@@ -1818,7 +1819,7 @@
           <a:p>
             <a:fld id="{1EA5F87C-6888-48AE-A515-9F02947AF35E}" type="datetimeFigureOut">
               <a:rPr lang="ko-KR" altLang="en-US" smtClean="0"/>
-              <a:t>2018-05-09</a:t>
+              <a:t>2018-05-15</a:t>
             </a:fld>
             <a:endParaRPr lang="ko-KR" altLang="en-US"/>
           </a:p>
@@ -1959,7 +1960,7 @@
           <a:p>
             <a:fld id="{1EA5F87C-6888-48AE-A515-9F02947AF35E}" type="datetimeFigureOut">
               <a:rPr lang="ko-KR" altLang="en-US" smtClean="0"/>
-              <a:t>2018-05-09</a:t>
+              <a:t>2018-05-15</a:t>
             </a:fld>
             <a:endParaRPr lang="ko-KR" altLang="en-US"/>
           </a:p>
@@ -2072,7 +2073,7 @@
           <a:p>
             <a:fld id="{1EA5F87C-6888-48AE-A515-9F02947AF35E}" type="datetimeFigureOut">
               <a:rPr lang="ko-KR" altLang="en-US" smtClean="0"/>
-              <a:t>2018-05-09</a:t>
+              <a:t>2018-05-15</a:t>
             </a:fld>
             <a:endParaRPr lang="ko-KR" altLang="en-US"/>
           </a:p>
@@ -2383,7 +2384,7 @@
           <a:p>
             <a:fld id="{1EA5F87C-6888-48AE-A515-9F02947AF35E}" type="datetimeFigureOut">
               <a:rPr lang="ko-KR" altLang="en-US" smtClean="0"/>
-              <a:t>2018-05-09</a:t>
+              <a:t>2018-05-15</a:t>
             </a:fld>
             <a:endParaRPr lang="ko-KR" altLang="en-US"/>
           </a:p>
@@ -2671,7 +2672,7 @@
           <a:p>
             <a:fld id="{1EA5F87C-6888-48AE-A515-9F02947AF35E}" type="datetimeFigureOut">
               <a:rPr lang="ko-KR" altLang="en-US" smtClean="0"/>
-              <a:t>2018-05-09</a:t>
+              <a:t>2018-05-15</a:t>
             </a:fld>
             <a:endParaRPr lang="ko-KR" altLang="en-US"/>
           </a:p>
@@ -2912,7 +2913,7 @@
           <a:p>
             <a:fld id="{1EA5F87C-6888-48AE-A515-9F02947AF35E}" type="datetimeFigureOut">
               <a:rPr lang="ko-KR" altLang="en-US" smtClean="0"/>
-              <a:t>2018-05-09</a:t>
+              <a:t>2018-05-15</a:t>
             </a:fld>
             <a:endParaRPr lang="ko-KR" altLang="en-US"/>
           </a:p>
@@ -6758,6 +6759,1012 @@
     <p:extLst>
       <p:ext uri="{BB962C8B-B14F-4D97-AF65-F5344CB8AC3E}">
         <p14:creationId xmlns:p14="http://schemas.microsoft.com/office/powerpoint/2010/main" val="4092269890"/>
+      </p:ext>
+    </p:extLst>
+  </p:cSld>
+  <p:clrMapOvr>
+    <a:masterClrMapping/>
+  </p:clrMapOvr>
+</p:sld>
+</file>
+
+<file path=ppt/slides/slide5.xml><?xml version="1.0" encoding="utf-8"?>
+<p:sld xmlns:a="http://schemas.openxmlformats.org/drawingml/2006/main" xmlns:r="http://schemas.openxmlformats.org/officeDocument/2006/relationships" xmlns:p="http://schemas.openxmlformats.org/presentationml/2006/main">
+  <p:cSld>
+    <p:spTree>
+      <p:nvGrpSpPr>
+        <p:cNvPr id="1" name=""/>
+        <p:cNvGrpSpPr/>
+        <p:nvPr/>
+      </p:nvGrpSpPr>
+      <p:grpSpPr>
+        <a:xfrm>
+          <a:off x="0" y="0"/>
+          <a:ext cx="0" cy="0"/>
+          <a:chOff x="0" y="0"/>
+          <a:chExt cx="0" cy="0"/>
+        </a:xfrm>
+      </p:grpSpPr>
+      <p:sp>
+        <p:nvSpPr>
+          <p:cNvPr id="4" name="직사각형 3">
+            <a:extLst>
+              <a:ext uri="{FF2B5EF4-FFF2-40B4-BE49-F238E27FC236}">
+                <a16:creationId xmlns:a16="http://schemas.microsoft.com/office/drawing/2014/main" id="{148EA459-E773-4B29-AD32-4E69486D8C74}"/>
+              </a:ext>
+            </a:extLst>
+          </p:cNvPr>
+          <p:cNvSpPr/>
+          <p:nvPr/>
+        </p:nvSpPr>
+        <p:spPr>
+          <a:xfrm>
+            <a:off x="2287389" y="847287"/>
+            <a:ext cx="1915495" cy="746620"/>
+          </a:xfrm>
+          <a:prstGeom prst="rect">
+            <a:avLst/>
+          </a:prstGeom>
+        </p:spPr>
+        <p:style>
+          <a:lnRef idx="2">
+            <a:schemeClr val="accent5">
+              <a:shade val="50000"/>
+            </a:schemeClr>
+          </a:lnRef>
+          <a:fillRef idx="1">
+            <a:schemeClr val="accent5"/>
+          </a:fillRef>
+          <a:effectRef idx="0">
+            <a:schemeClr val="accent5"/>
+          </a:effectRef>
+          <a:fontRef idx="minor">
+            <a:schemeClr val="lt1"/>
+          </a:fontRef>
+        </p:style>
+        <p:txBody>
+          <a:bodyPr rtlCol="0" anchor="ctr"/>
+          <a:lstStyle/>
+          <a:p>
+            <a:pPr algn="ctr"/>
+            <a:r>
+              <a:rPr lang="en-US" altLang="ko-KR" dirty="0"/>
+              <a:t>‘A’ </a:t>
+            </a:r>
+            <a:r>
+              <a:rPr lang="ko-KR" altLang="en-US" dirty="0"/>
+              <a:t>입력</a:t>
+            </a:r>
+            <a:endParaRPr lang="en-US" altLang="ko-KR" dirty="0"/>
+          </a:p>
+        </p:txBody>
+      </p:sp>
+      <p:sp>
+        <p:nvSpPr>
+          <p:cNvPr id="5" name="직사각형 4">
+            <a:extLst>
+              <a:ext uri="{FF2B5EF4-FFF2-40B4-BE49-F238E27FC236}">
+                <a16:creationId xmlns:a16="http://schemas.microsoft.com/office/drawing/2014/main" id="{7512C6EA-7572-4AD6-8C6F-751F3209A6E0}"/>
+              </a:ext>
+            </a:extLst>
+          </p:cNvPr>
+          <p:cNvSpPr/>
+          <p:nvPr/>
+        </p:nvSpPr>
+        <p:spPr>
+          <a:xfrm>
+            <a:off x="2287389" y="1828799"/>
+            <a:ext cx="1915495" cy="855678"/>
+          </a:xfrm>
+          <a:prstGeom prst="rect">
+            <a:avLst/>
+          </a:prstGeom>
+        </p:spPr>
+        <p:style>
+          <a:lnRef idx="2">
+            <a:schemeClr val="accent5">
+              <a:shade val="50000"/>
+            </a:schemeClr>
+          </a:lnRef>
+          <a:fillRef idx="1">
+            <a:schemeClr val="accent5"/>
+          </a:fillRef>
+          <a:effectRef idx="0">
+            <a:schemeClr val="accent5"/>
+          </a:effectRef>
+          <a:fontRef idx="minor">
+            <a:schemeClr val="lt1"/>
+          </a:fontRef>
+        </p:style>
+        <p:txBody>
+          <a:bodyPr rtlCol="0" anchor="ctr"/>
+          <a:lstStyle/>
+          <a:p>
+            <a:pPr algn="ctr"/>
+            <a:r>
+              <a:rPr lang="ko-KR" altLang="en-US" dirty="0"/>
+              <a:t>저장된</a:t>
+            </a:r>
+            <a:endParaRPr lang="en-US" altLang="ko-KR" dirty="0"/>
+          </a:p>
+          <a:p>
+            <a:pPr algn="ctr"/>
+            <a:r>
+              <a:rPr lang="en-US" altLang="ko-KR" dirty="0"/>
+              <a:t>Target</a:t>
+            </a:r>
+            <a:r>
+              <a:rPr lang="ko-KR" altLang="en-US" dirty="0"/>
+              <a:t> </a:t>
+            </a:r>
+            <a:r>
+              <a:rPr lang="en-US" altLang="ko-KR" dirty="0"/>
+              <a:t>Tag</a:t>
+            </a:r>
+            <a:r>
+              <a:rPr lang="ko-KR" altLang="en-US" dirty="0"/>
+              <a:t>의</a:t>
+            </a:r>
+            <a:endParaRPr lang="en-US" altLang="ko-KR" dirty="0"/>
+          </a:p>
+          <a:p>
+            <a:pPr algn="ctr"/>
+            <a:r>
+              <a:rPr lang="ko-KR" altLang="en-US" dirty="0"/>
+              <a:t>데이터 확인</a:t>
+            </a:r>
+            <a:endParaRPr lang="en-US" altLang="ko-KR" dirty="0"/>
+          </a:p>
+        </p:txBody>
+      </p:sp>
+      <p:sp>
+        <p:nvSpPr>
+          <p:cNvPr id="6" name="직사각형 5">
+            <a:extLst>
+              <a:ext uri="{FF2B5EF4-FFF2-40B4-BE49-F238E27FC236}">
+                <a16:creationId xmlns:a16="http://schemas.microsoft.com/office/drawing/2014/main" id="{ABE0A9EA-9434-4991-A879-3A48D3A98FF1}"/>
+              </a:ext>
+            </a:extLst>
+          </p:cNvPr>
+          <p:cNvSpPr/>
+          <p:nvPr/>
+        </p:nvSpPr>
+        <p:spPr>
+          <a:xfrm>
+            <a:off x="2287389" y="2919369"/>
+            <a:ext cx="1915495" cy="855678"/>
+          </a:xfrm>
+          <a:prstGeom prst="rect">
+            <a:avLst/>
+          </a:prstGeom>
+        </p:spPr>
+        <p:style>
+          <a:lnRef idx="2">
+            <a:schemeClr val="accent5">
+              <a:shade val="50000"/>
+            </a:schemeClr>
+          </a:lnRef>
+          <a:fillRef idx="1">
+            <a:schemeClr val="accent5"/>
+          </a:fillRef>
+          <a:effectRef idx="0">
+            <a:schemeClr val="accent5"/>
+          </a:effectRef>
+          <a:fontRef idx="minor">
+            <a:schemeClr val="lt1"/>
+          </a:fontRef>
+        </p:style>
+        <p:txBody>
+          <a:bodyPr rtlCol="0" anchor="ctr"/>
+          <a:lstStyle/>
+          <a:p>
+            <a:pPr algn="ctr"/>
+            <a:r>
+              <a:rPr lang="ko-KR" altLang="en-US" dirty="0"/>
+              <a:t>각 데이터 별</a:t>
+            </a:r>
+            <a:endParaRPr lang="en-US" altLang="ko-KR" dirty="0"/>
+          </a:p>
+          <a:p>
+            <a:pPr algn="ctr"/>
+            <a:r>
+              <a:rPr lang="ko-KR" altLang="en-US" dirty="0"/>
+              <a:t>시간 및 </a:t>
+            </a:r>
+            <a:r>
+              <a:rPr lang="en-US" altLang="ko-KR" dirty="0" err="1"/>
+              <a:t>Rssi</a:t>
+            </a:r>
+            <a:r>
+              <a:rPr lang="en-US" altLang="ko-KR" dirty="0"/>
+              <a:t> </a:t>
+            </a:r>
+            <a:r>
+              <a:rPr lang="ko-KR" altLang="en-US" dirty="0" err="1"/>
+              <a:t>값추출</a:t>
+            </a:r>
+            <a:endParaRPr lang="en-US" altLang="ko-KR" dirty="0"/>
+          </a:p>
+        </p:txBody>
+      </p:sp>
+      <p:sp>
+        <p:nvSpPr>
+          <p:cNvPr id="7" name="직사각형 6">
+            <a:extLst>
+              <a:ext uri="{FF2B5EF4-FFF2-40B4-BE49-F238E27FC236}">
+                <a16:creationId xmlns:a16="http://schemas.microsoft.com/office/drawing/2014/main" id="{4FA2A625-9DC5-48ED-8C38-3AC85B52A646}"/>
+              </a:ext>
+            </a:extLst>
+          </p:cNvPr>
+          <p:cNvSpPr/>
+          <p:nvPr/>
+        </p:nvSpPr>
+        <p:spPr>
+          <a:xfrm>
+            <a:off x="2287389" y="4009939"/>
+            <a:ext cx="1915495" cy="855678"/>
+          </a:xfrm>
+          <a:prstGeom prst="rect">
+            <a:avLst/>
+          </a:prstGeom>
+        </p:spPr>
+        <p:style>
+          <a:lnRef idx="2">
+            <a:schemeClr val="accent5">
+              <a:shade val="50000"/>
+            </a:schemeClr>
+          </a:lnRef>
+          <a:fillRef idx="1">
+            <a:schemeClr val="accent5"/>
+          </a:fillRef>
+          <a:effectRef idx="0">
+            <a:schemeClr val="accent5"/>
+          </a:effectRef>
+          <a:fontRef idx="minor">
+            <a:schemeClr val="lt1"/>
+          </a:fontRef>
+        </p:style>
+        <p:txBody>
+          <a:bodyPr rtlCol="0" anchor="ctr"/>
+          <a:lstStyle/>
+          <a:p>
+            <a:pPr algn="ctr"/>
+            <a:r>
+              <a:rPr lang="ko-KR" altLang="en-US" dirty="0"/>
+              <a:t>추출된 데이터로 평균 산출</a:t>
+            </a:r>
+            <a:endParaRPr lang="en-US" altLang="ko-KR" dirty="0"/>
+          </a:p>
+        </p:txBody>
+      </p:sp>
+      <p:sp>
+        <p:nvSpPr>
+          <p:cNvPr id="8" name="직사각형 7">
+            <a:extLst>
+              <a:ext uri="{FF2B5EF4-FFF2-40B4-BE49-F238E27FC236}">
+                <a16:creationId xmlns:a16="http://schemas.microsoft.com/office/drawing/2014/main" id="{4A473054-ED1A-49A5-808B-15766C5D8C6E}"/>
+              </a:ext>
+            </a:extLst>
+          </p:cNvPr>
+          <p:cNvSpPr/>
+          <p:nvPr/>
+        </p:nvSpPr>
+        <p:spPr>
+          <a:xfrm>
+            <a:off x="2287389" y="5100509"/>
+            <a:ext cx="1915495" cy="855678"/>
+          </a:xfrm>
+          <a:prstGeom prst="rect">
+            <a:avLst/>
+          </a:prstGeom>
+        </p:spPr>
+        <p:style>
+          <a:lnRef idx="2">
+            <a:schemeClr val="accent5">
+              <a:shade val="50000"/>
+            </a:schemeClr>
+          </a:lnRef>
+          <a:fillRef idx="1">
+            <a:schemeClr val="accent5"/>
+          </a:fillRef>
+          <a:effectRef idx="0">
+            <a:schemeClr val="accent5"/>
+          </a:effectRef>
+          <a:fontRef idx="minor">
+            <a:schemeClr val="lt1"/>
+          </a:fontRef>
+        </p:style>
+        <p:txBody>
+          <a:bodyPr rtlCol="0" anchor="ctr"/>
+          <a:lstStyle/>
+          <a:p>
+            <a:pPr algn="ctr"/>
+            <a:r>
+              <a:rPr lang="ko-KR" altLang="en-US" dirty="0"/>
+              <a:t>산출된 데이터</a:t>
+            </a:r>
+            <a:endParaRPr lang="en-US" altLang="ko-KR" dirty="0"/>
+          </a:p>
+          <a:p>
+            <a:pPr algn="ctr"/>
+            <a:r>
+              <a:rPr lang="ko-KR" altLang="en-US" dirty="0"/>
+              <a:t>출력</a:t>
+            </a:r>
+            <a:endParaRPr lang="en-US" altLang="ko-KR" dirty="0"/>
+          </a:p>
+        </p:txBody>
+      </p:sp>
+      <p:sp>
+        <p:nvSpPr>
+          <p:cNvPr id="9" name="직사각형 8">
+            <a:extLst>
+              <a:ext uri="{FF2B5EF4-FFF2-40B4-BE49-F238E27FC236}">
+                <a16:creationId xmlns:a16="http://schemas.microsoft.com/office/drawing/2014/main" id="{8BEB450A-6416-4D1A-AA2A-0C01F2369029}"/>
+              </a:ext>
+            </a:extLst>
+          </p:cNvPr>
+          <p:cNvSpPr/>
+          <p:nvPr/>
+        </p:nvSpPr>
+        <p:spPr>
+          <a:xfrm>
+            <a:off x="5424871" y="847287"/>
+            <a:ext cx="1915495" cy="746620"/>
+          </a:xfrm>
+          <a:prstGeom prst="rect">
+            <a:avLst/>
+          </a:prstGeom>
+        </p:spPr>
+        <p:style>
+          <a:lnRef idx="2">
+            <a:schemeClr val="accent5">
+              <a:shade val="50000"/>
+            </a:schemeClr>
+          </a:lnRef>
+          <a:fillRef idx="1">
+            <a:schemeClr val="accent5"/>
+          </a:fillRef>
+          <a:effectRef idx="0">
+            <a:schemeClr val="accent5"/>
+          </a:effectRef>
+          <a:fontRef idx="minor">
+            <a:schemeClr val="lt1"/>
+          </a:fontRef>
+        </p:style>
+        <p:txBody>
+          <a:bodyPr rtlCol="0" anchor="ctr"/>
+          <a:lstStyle/>
+          <a:p>
+            <a:pPr algn="ctr"/>
+            <a:r>
+              <a:rPr lang="en-US" altLang="ko-KR" dirty="0"/>
+              <a:t>‘B’ </a:t>
+            </a:r>
+            <a:r>
+              <a:rPr lang="ko-KR" altLang="en-US" dirty="0"/>
+              <a:t>입력</a:t>
+            </a:r>
+            <a:endParaRPr lang="en-US" altLang="ko-KR" dirty="0"/>
+          </a:p>
+        </p:txBody>
+      </p:sp>
+      <p:sp>
+        <p:nvSpPr>
+          <p:cNvPr id="10" name="직사각형 9">
+            <a:extLst>
+              <a:ext uri="{FF2B5EF4-FFF2-40B4-BE49-F238E27FC236}">
+                <a16:creationId xmlns:a16="http://schemas.microsoft.com/office/drawing/2014/main" id="{211D7F03-7775-495F-88CA-0D2AF1295EAD}"/>
+              </a:ext>
+            </a:extLst>
+          </p:cNvPr>
+          <p:cNvSpPr/>
+          <p:nvPr/>
+        </p:nvSpPr>
+        <p:spPr>
+          <a:xfrm>
+            <a:off x="5424871" y="1828799"/>
+            <a:ext cx="1915495" cy="855678"/>
+          </a:xfrm>
+          <a:prstGeom prst="rect">
+            <a:avLst/>
+          </a:prstGeom>
+        </p:spPr>
+        <p:style>
+          <a:lnRef idx="2">
+            <a:schemeClr val="accent5">
+              <a:shade val="50000"/>
+            </a:schemeClr>
+          </a:lnRef>
+          <a:fillRef idx="1">
+            <a:schemeClr val="accent5"/>
+          </a:fillRef>
+          <a:effectRef idx="0">
+            <a:schemeClr val="accent5"/>
+          </a:effectRef>
+          <a:fontRef idx="minor">
+            <a:schemeClr val="lt1"/>
+          </a:fontRef>
+        </p:style>
+        <p:txBody>
+          <a:bodyPr rtlCol="0" anchor="ctr"/>
+          <a:lstStyle/>
+          <a:p>
+            <a:pPr algn="ctr"/>
+            <a:r>
+              <a:rPr lang="ko-KR" altLang="en-US" dirty="0"/>
+              <a:t>저장된</a:t>
+            </a:r>
+            <a:endParaRPr lang="en-US" altLang="ko-KR" dirty="0"/>
+          </a:p>
+          <a:p>
+            <a:pPr algn="ctr"/>
+            <a:r>
+              <a:rPr lang="en-US" altLang="ko-KR" dirty="0"/>
+              <a:t>Reference</a:t>
+            </a:r>
+            <a:r>
+              <a:rPr lang="ko-KR" altLang="en-US" dirty="0"/>
+              <a:t> </a:t>
+            </a:r>
+            <a:r>
+              <a:rPr lang="en-US" altLang="ko-KR" dirty="0"/>
+              <a:t>Tag</a:t>
+            </a:r>
+            <a:r>
+              <a:rPr lang="ko-KR" altLang="en-US" dirty="0"/>
+              <a:t>의</a:t>
+            </a:r>
+            <a:endParaRPr lang="en-US" altLang="ko-KR" dirty="0"/>
+          </a:p>
+          <a:p>
+            <a:pPr algn="ctr"/>
+            <a:r>
+              <a:rPr lang="ko-KR" altLang="en-US" dirty="0"/>
+              <a:t>데이터 확인</a:t>
+            </a:r>
+            <a:endParaRPr lang="en-US" altLang="ko-KR" dirty="0"/>
+          </a:p>
+        </p:txBody>
+      </p:sp>
+      <p:sp>
+        <p:nvSpPr>
+          <p:cNvPr id="11" name="직사각형 10">
+            <a:extLst>
+              <a:ext uri="{FF2B5EF4-FFF2-40B4-BE49-F238E27FC236}">
+                <a16:creationId xmlns:a16="http://schemas.microsoft.com/office/drawing/2014/main" id="{06ED073A-3452-439F-B828-E9C04DC079DF}"/>
+              </a:ext>
+            </a:extLst>
+          </p:cNvPr>
+          <p:cNvSpPr/>
+          <p:nvPr/>
+        </p:nvSpPr>
+        <p:spPr>
+          <a:xfrm>
+            <a:off x="5424871" y="2919369"/>
+            <a:ext cx="1915495" cy="855678"/>
+          </a:xfrm>
+          <a:prstGeom prst="rect">
+            <a:avLst/>
+          </a:prstGeom>
+        </p:spPr>
+        <p:style>
+          <a:lnRef idx="2">
+            <a:schemeClr val="accent5">
+              <a:shade val="50000"/>
+            </a:schemeClr>
+          </a:lnRef>
+          <a:fillRef idx="1">
+            <a:schemeClr val="accent5"/>
+          </a:fillRef>
+          <a:effectRef idx="0">
+            <a:schemeClr val="accent5"/>
+          </a:effectRef>
+          <a:fontRef idx="minor">
+            <a:schemeClr val="lt1"/>
+          </a:fontRef>
+        </p:style>
+        <p:txBody>
+          <a:bodyPr rtlCol="0" anchor="ctr"/>
+          <a:lstStyle/>
+          <a:p>
+            <a:pPr algn="ctr"/>
+            <a:r>
+              <a:rPr lang="ko-KR" altLang="en-US" dirty="0"/>
+              <a:t>각 </a:t>
+            </a:r>
+            <a:r>
+              <a:rPr lang="en-US" altLang="ko-KR" dirty="0" err="1"/>
+              <a:t>Tag_ID</a:t>
+            </a:r>
+            <a:r>
+              <a:rPr lang="en-US" altLang="ko-KR" dirty="0"/>
+              <a:t> </a:t>
+            </a:r>
+            <a:r>
+              <a:rPr lang="ko-KR" altLang="en-US" dirty="0"/>
+              <a:t>별</a:t>
+            </a:r>
+            <a:endParaRPr lang="en-US" altLang="ko-KR" dirty="0"/>
+          </a:p>
+          <a:p>
+            <a:pPr algn="ctr"/>
+            <a:r>
+              <a:rPr lang="ko-KR" altLang="en-US" dirty="0"/>
+              <a:t> 시간 및 </a:t>
+            </a:r>
+            <a:r>
+              <a:rPr lang="en-US" altLang="ko-KR" dirty="0" err="1"/>
+              <a:t>Rssi</a:t>
+            </a:r>
+            <a:r>
+              <a:rPr lang="en-US" altLang="ko-KR" dirty="0"/>
+              <a:t> </a:t>
+            </a:r>
+            <a:r>
+              <a:rPr lang="ko-KR" altLang="en-US" dirty="0"/>
+              <a:t>값</a:t>
+            </a:r>
+            <a:endParaRPr lang="en-US" altLang="ko-KR" dirty="0"/>
+          </a:p>
+          <a:p>
+            <a:pPr algn="ctr"/>
+            <a:r>
+              <a:rPr lang="ko-KR" altLang="en-US" dirty="0"/>
+              <a:t>추출</a:t>
+            </a:r>
+            <a:endParaRPr lang="en-US" altLang="ko-KR" dirty="0"/>
+          </a:p>
+        </p:txBody>
+      </p:sp>
+      <p:sp>
+        <p:nvSpPr>
+          <p:cNvPr id="12" name="직사각형 11">
+            <a:extLst>
+              <a:ext uri="{FF2B5EF4-FFF2-40B4-BE49-F238E27FC236}">
+                <a16:creationId xmlns:a16="http://schemas.microsoft.com/office/drawing/2014/main" id="{F27EAE61-A25B-446B-BA2C-FBAFC11BB3E5}"/>
+              </a:ext>
+            </a:extLst>
+          </p:cNvPr>
+          <p:cNvSpPr/>
+          <p:nvPr/>
+        </p:nvSpPr>
+        <p:spPr>
+          <a:xfrm>
+            <a:off x="5424871" y="4009939"/>
+            <a:ext cx="1915495" cy="855678"/>
+          </a:xfrm>
+          <a:prstGeom prst="rect">
+            <a:avLst/>
+          </a:prstGeom>
+        </p:spPr>
+        <p:style>
+          <a:lnRef idx="2">
+            <a:schemeClr val="accent5">
+              <a:shade val="50000"/>
+            </a:schemeClr>
+          </a:lnRef>
+          <a:fillRef idx="1">
+            <a:schemeClr val="accent5"/>
+          </a:fillRef>
+          <a:effectRef idx="0">
+            <a:schemeClr val="accent5"/>
+          </a:effectRef>
+          <a:fontRef idx="minor">
+            <a:schemeClr val="lt1"/>
+          </a:fontRef>
+        </p:style>
+        <p:txBody>
+          <a:bodyPr rtlCol="0" anchor="ctr"/>
+          <a:lstStyle/>
+          <a:p>
+            <a:pPr algn="ctr"/>
+            <a:r>
+              <a:rPr lang="ko-KR" altLang="en-US" dirty="0"/>
+              <a:t>추출된 데이터로 평균 산출</a:t>
+            </a:r>
+            <a:endParaRPr lang="en-US" altLang="ko-KR" dirty="0"/>
+          </a:p>
+        </p:txBody>
+      </p:sp>
+      <p:sp>
+        <p:nvSpPr>
+          <p:cNvPr id="13" name="직사각형 12">
+            <a:extLst>
+              <a:ext uri="{FF2B5EF4-FFF2-40B4-BE49-F238E27FC236}">
+                <a16:creationId xmlns:a16="http://schemas.microsoft.com/office/drawing/2014/main" id="{64794DDE-E936-488E-A934-016B885084E2}"/>
+              </a:ext>
+            </a:extLst>
+          </p:cNvPr>
+          <p:cNvSpPr/>
+          <p:nvPr/>
+        </p:nvSpPr>
+        <p:spPr>
+          <a:xfrm>
+            <a:off x="5424871" y="5100509"/>
+            <a:ext cx="1915495" cy="855678"/>
+          </a:xfrm>
+          <a:prstGeom prst="rect">
+            <a:avLst/>
+          </a:prstGeom>
+        </p:spPr>
+        <p:style>
+          <a:lnRef idx="2">
+            <a:schemeClr val="accent5">
+              <a:shade val="50000"/>
+            </a:schemeClr>
+          </a:lnRef>
+          <a:fillRef idx="1">
+            <a:schemeClr val="accent5"/>
+          </a:fillRef>
+          <a:effectRef idx="0">
+            <a:schemeClr val="accent5"/>
+          </a:effectRef>
+          <a:fontRef idx="minor">
+            <a:schemeClr val="lt1"/>
+          </a:fontRef>
+        </p:style>
+        <p:txBody>
+          <a:bodyPr rtlCol="0" anchor="ctr"/>
+          <a:lstStyle/>
+          <a:p>
+            <a:pPr algn="ctr"/>
+            <a:r>
+              <a:rPr lang="ko-KR" altLang="en-US" dirty="0"/>
+              <a:t>산출된 데이터</a:t>
+            </a:r>
+            <a:endParaRPr lang="en-US" altLang="ko-KR" dirty="0"/>
+          </a:p>
+          <a:p>
+            <a:pPr algn="ctr"/>
+            <a:r>
+              <a:rPr lang="ko-KR" altLang="en-US" dirty="0"/>
+              <a:t>출력</a:t>
+            </a:r>
+            <a:endParaRPr lang="en-US" altLang="ko-KR" dirty="0"/>
+          </a:p>
+        </p:txBody>
+      </p:sp>
+      <p:cxnSp>
+        <p:nvCxnSpPr>
+          <p:cNvPr id="15" name="직선 화살표 연결선 14">
+            <a:extLst>
+              <a:ext uri="{FF2B5EF4-FFF2-40B4-BE49-F238E27FC236}">
+                <a16:creationId xmlns:a16="http://schemas.microsoft.com/office/drawing/2014/main" id="{F79ED864-96D3-4356-A162-C17D7CFDEA2B}"/>
+              </a:ext>
+            </a:extLst>
+          </p:cNvPr>
+          <p:cNvCxnSpPr>
+            <a:stCxn id="4" idx="2"/>
+            <a:endCxn id="5" idx="0"/>
+          </p:cNvCxnSpPr>
+          <p:nvPr/>
+        </p:nvCxnSpPr>
+        <p:spPr>
+          <a:xfrm>
+            <a:off x="3245137" y="1593907"/>
+            <a:ext cx="0" cy="234892"/>
+          </a:xfrm>
+          <a:prstGeom prst="straightConnector1">
+            <a:avLst/>
+          </a:prstGeom>
+          <a:ln>
+            <a:tailEnd type="triangle"/>
+          </a:ln>
+        </p:spPr>
+        <p:style>
+          <a:lnRef idx="3">
+            <a:schemeClr val="accent1"/>
+          </a:lnRef>
+          <a:fillRef idx="0">
+            <a:schemeClr val="accent1"/>
+          </a:fillRef>
+          <a:effectRef idx="2">
+            <a:schemeClr val="accent1"/>
+          </a:effectRef>
+          <a:fontRef idx="minor">
+            <a:schemeClr val="tx1"/>
+          </a:fontRef>
+        </p:style>
+      </p:cxnSp>
+      <p:cxnSp>
+        <p:nvCxnSpPr>
+          <p:cNvPr id="17" name="직선 화살표 연결선 16">
+            <a:extLst>
+              <a:ext uri="{FF2B5EF4-FFF2-40B4-BE49-F238E27FC236}">
+                <a16:creationId xmlns:a16="http://schemas.microsoft.com/office/drawing/2014/main" id="{4E87D838-5F28-404F-99D6-991684A538F5}"/>
+              </a:ext>
+            </a:extLst>
+          </p:cNvPr>
+          <p:cNvCxnSpPr>
+            <a:stCxn id="5" idx="2"/>
+            <a:endCxn id="6" idx="0"/>
+          </p:cNvCxnSpPr>
+          <p:nvPr/>
+        </p:nvCxnSpPr>
+        <p:spPr>
+          <a:xfrm>
+            <a:off x="3245137" y="2684477"/>
+            <a:ext cx="0" cy="234892"/>
+          </a:xfrm>
+          <a:prstGeom prst="straightConnector1">
+            <a:avLst/>
+          </a:prstGeom>
+          <a:ln>
+            <a:tailEnd type="triangle"/>
+          </a:ln>
+        </p:spPr>
+        <p:style>
+          <a:lnRef idx="3">
+            <a:schemeClr val="accent1"/>
+          </a:lnRef>
+          <a:fillRef idx="0">
+            <a:schemeClr val="accent1"/>
+          </a:fillRef>
+          <a:effectRef idx="2">
+            <a:schemeClr val="accent1"/>
+          </a:effectRef>
+          <a:fontRef idx="minor">
+            <a:schemeClr val="tx1"/>
+          </a:fontRef>
+        </p:style>
+      </p:cxnSp>
+      <p:cxnSp>
+        <p:nvCxnSpPr>
+          <p:cNvPr id="19" name="직선 화살표 연결선 18">
+            <a:extLst>
+              <a:ext uri="{FF2B5EF4-FFF2-40B4-BE49-F238E27FC236}">
+                <a16:creationId xmlns:a16="http://schemas.microsoft.com/office/drawing/2014/main" id="{702C57C3-7546-4E62-8D61-AE11B4B9285F}"/>
+              </a:ext>
+            </a:extLst>
+          </p:cNvPr>
+          <p:cNvCxnSpPr>
+            <a:stCxn id="6" idx="2"/>
+            <a:endCxn id="7" idx="0"/>
+          </p:cNvCxnSpPr>
+          <p:nvPr/>
+        </p:nvCxnSpPr>
+        <p:spPr>
+          <a:xfrm>
+            <a:off x="3245137" y="3775047"/>
+            <a:ext cx="0" cy="234892"/>
+          </a:xfrm>
+          <a:prstGeom prst="straightConnector1">
+            <a:avLst/>
+          </a:prstGeom>
+          <a:ln>
+            <a:tailEnd type="triangle"/>
+          </a:ln>
+        </p:spPr>
+        <p:style>
+          <a:lnRef idx="3">
+            <a:schemeClr val="accent1"/>
+          </a:lnRef>
+          <a:fillRef idx="0">
+            <a:schemeClr val="accent1"/>
+          </a:fillRef>
+          <a:effectRef idx="2">
+            <a:schemeClr val="accent1"/>
+          </a:effectRef>
+          <a:fontRef idx="minor">
+            <a:schemeClr val="tx1"/>
+          </a:fontRef>
+        </p:style>
+      </p:cxnSp>
+      <p:cxnSp>
+        <p:nvCxnSpPr>
+          <p:cNvPr id="21" name="직선 화살표 연결선 20">
+            <a:extLst>
+              <a:ext uri="{FF2B5EF4-FFF2-40B4-BE49-F238E27FC236}">
+                <a16:creationId xmlns:a16="http://schemas.microsoft.com/office/drawing/2014/main" id="{F9C7BADF-D57A-4D88-B864-93935D6605B1}"/>
+              </a:ext>
+            </a:extLst>
+          </p:cNvPr>
+          <p:cNvCxnSpPr>
+            <a:stCxn id="7" idx="2"/>
+            <a:endCxn id="8" idx="0"/>
+          </p:cNvCxnSpPr>
+          <p:nvPr/>
+        </p:nvCxnSpPr>
+        <p:spPr>
+          <a:xfrm>
+            <a:off x="3245137" y="4865617"/>
+            <a:ext cx="0" cy="234892"/>
+          </a:xfrm>
+          <a:prstGeom prst="straightConnector1">
+            <a:avLst/>
+          </a:prstGeom>
+          <a:ln>
+            <a:tailEnd type="triangle"/>
+          </a:ln>
+        </p:spPr>
+        <p:style>
+          <a:lnRef idx="3">
+            <a:schemeClr val="accent1"/>
+          </a:lnRef>
+          <a:fillRef idx="0">
+            <a:schemeClr val="accent1"/>
+          </a:fillRef>
+          <a:effectRef idx="2">
+            <a:schemeClr val="accent1"/>
+          </a:effectRef>
+          <a:fontRef idx="minor">
+            <a:schemeClr val="tx1"/>
+          </a:fontRef>
+        </p:style>
+      </p:cxnSp>
+      <p:cxnSp>
+        <p:nvCxnSpPr>
+          <p:cNvPr id="23" name="직선 화살표 연결선 22">
+            <a:extLst>
+              <a:ext uri="{FF2B5EF4-FFF2-40B4-BE49-F238E27FC236}">
+                <a16:creationId xmlns:a16="http://schemas.microsoft.com/office/drawing/2014/main" id="{B684615B-AF40-466F-833B-B596756C404D}"/>
+              </a:ext>
+            </a:extLst>
+          </p:cNvPr>
+          <p:cNvCxnSpPr>
+            <a:stCxn id="9" idx="2"/>
+            <a:endCxn id="10" idx="0"/>
+          </p:cNvCxnSpPr>
+          <p:nvPr/>
+        </p:nvCxnSpPr>
+        <p:spPr>
+          <a:xfrm>
+            <a:off x="6382619" y="1593907"/>
+            <a:ext cx="0" cy="234892"/>
+          </a:xfrm>
+          <a:prstGeom prst="straightConnector1">
+            <a:avLst/>
+          </a:prstGeom>
+          <a:ln>
+            <a:tailEnd type="triangle"/>
+          </a:ln>
+        </p:spPr>
+        <p:style>
+          <a:lnRef idx="3">
+            <a:schemeClr val="accent1"/>
+          </a:lnRef>
+          <a:fillRef idx="0">
+            <a:schemeClr val="accent1"/>
+          </a:fillRef>
+          <a:effectRef idx="2">
+            <a:schemeClr val="accent1"/>
+          </a:effectRef>
+          <a:fontRef idx="minor">
+            <a:schemeClr val="tx1"/>
+          </a:fontRef>
+        </p:style>
+      </p:cxnSp>
+      <p:cxnSp>
+        <p:nvCxnSpPr>
+          <p:cNvPr id="25" name="직선 화살표 연결선 24">
+            <a:extLst>
+              <a:ext uri="{FF2B5EF4-FFF2-40B4-BE49-F238E27FC236}">
+                <a16:creationId xmlns:a16="http://schemas.microsoft.com/office/drawing/2014/main" id="{4FAC5B43-D39B-4BDD-86BB-6879D172D71C}"/>
+              </a:ext>
+            </a:extLst>
+          </p:cNvPr>
+          <p:cNvCxnSpPr>
+            <a:stCxn id="10" idx="2"/>
+            <a:endCxn id="11" idx="0"/>
+          </p:cNvCxnSpPr>
+          <p:nvPr/>
+        </p:nvCxnSpPr>
+        <p:spPr>
+          <a:xfrm>
+            <a:off x="6382619" y="2684477"/>
+            <a:ext cx="0" cy="234892"/>
+          </a:xfrm>
+          <a:prstGeom prst="straightConnector1">
+            <a:avLst/>
+          </a:prstGeom>
+          <a:ln>
+            <a:tailEnd type="triangle"/>
+          </a:ln>
+        </p:spPr>
+        <p:style>
+          <a:lnRef idx="3">
+            <a:schemeClr val="accent1"/>
+          </a:lnRef>
+          <a:fillRef idx="0">
+            <a:schemeClr val="accent1"/>
+          </a:fillRef>
+          <a:effectRef idx="2">
+            <a:schemeClr val="accent1"/>
+          </a:effectRef>
+          <a:fontRef idx="minor">
+            <a:schemeClr val="tx1"/>
+          </a:fontRef>
+        </p:style>
+      </p:cxnSp>
+      <p:cxnSp>
+        <p:nvCxnSpPr>
+          <p:cNvPr id="27" name="직선 화살표 연결선 26">
+            <a:extLst>
+              <a:ext uri="{FF2B5EF4-FFF2-40B4-BE49-F238E27FC236}">
+                <a16:creationId xmlns:a16="http://schemas.microsoft.com/office/drawing/2014/main" id="{72F21B2A-C5FA-43D6-BDDE-33CDEB63AB98}"/>
+              </a:ext>
+            </a:extLst>
+          </p:cNvPr>
+          <p:cNvCxnSpPr>
+            <a:stCxn id="11" idx="2"/>
+            <a:endCxn id="12" idx="0"/>
+          </p:cNvCxnSpPr>
+          <p:nvPr/>
+        </p:nvCxnSpPr>
+        <p:spPr>
+          <a:xfrm>
+            <a:off x="6382619" y="3775047"/>
+            <a:ext cx="0" cy="234892"/>
+          </a:xfrm>
+          <a:prstGeom prst="straightConnector1">
+            <a:avLst/>
+          </a:prstGeom>
+          <a:ln>
+            <a:tailEnd type="triangle"/>
+          </a:ln>
+        </p:spPr>
+        <p:style>
+          <a:lnRef idx="3">
+            <a:schemeClr val="accent1"/>
+          </a:lnRef>
+          <a:fillRef idx="0">
+            <a:schemeClr val="accent1"/>
+          </a:fillRef>
+          <a:effectRef idx="2">
+            <a:schemeClr val="accent1"/>
+          </a:effectRef>
+          <a:fontRef idx="minor">
+            <a:schemeClr val="tx1"/>
+          </a:fontRef>
+        </p:style>
+      </p:cxnSp>
+      <p:cxnSp>
+        <p:nvCxnSpPr>
+          <p:cNvPr id="29" name="직선 화살표 연결선 28">
+            <a:extLst>
+              <a:ext uri="{FF2B5EF4-FFF2-40B4-BE49-F238E27FC236}">
+                <a16:creationId xmlns:a16="http://schemas.microsoft.com/office/drawing/2014/main" id="{37BDC622-6576-490E-8CE3-E293092C58B1}"/>
+              </a:ext>
+            </a:extLst>
+          </p:cNvPr>
+          <p:cNvCxnSpPr>
+            <a:stCxn id="12" idx="2"/>
+            <a:endCxn id="13" idx="0"/>
+          </p:cNvCxnSpPr>
+          <p:nvPr/>
+        </p:nvCxnSpPr>
+        <p:spPr>
+          <a:xfrm>
+            <a:off x="6382619" y="4865617"/>
+            <a:ext cx="0" cy="234892"/>
+          </a:xfrm>
+          <a:prstGeom prst="straightConnector1">
+            <a:avLst/>
+          </a:prstGeom>
+          <a:ln>
+            <a:tailEnd type="triangle"/>
+          </a:ln>
+        </p:spPr>
+        <p:style>
+          <a:lnRef idx="3">
+            <a:schemeClr val="accent1"/>
+          </a:lnRef>
+          <a:fillRef idx="0">
+            <a:schemeClr val="accent1"/>
+          </a:fillRef>
+          <a:effectRef idx="2">
+            <a:schemeClr val="accent1"/>
+          </a:effectRef>
+          <a:fontRef idx="minor">
+            <a:schemeClr val="tx1"/>
+          </a:fontRef>
+        </p:style>
+      </p:cxnSp>
+    </p:spTree>
+    <p:extLst>
+      <p:ext uri="{BB962C8B-B14F-4D97-AF65-F5344CB8AC3E}">
+        <p14:creationId xmlns:p14="http://schemas.microsoft.com/office/powerpoint/2010/main" val="4003285389"/>
       </p:ext>
     </p:extLst>
   </p:cSld>

--- a/sourceFile/Project2/개인프로젝트2_순서도.pptx
+++ b/sourceFile/Project2/개인프로젝트2_순서도.pptx
@@ -10,6 +10,7 @@
     <p:sldId id="259" r:id="rId4"/>
     <p:sldId id="260" r:id="rId5"/>
     <p:sldId id="261" r:id="rId6"/>
+    <p:sldId id="262" r:id="rId7"/>
   </p:sldIdLst>
   <p:sldSz cx="12192000" cy="6858000"/>
   <p:notesSz cx="6858000" cy="9144000"/>
@@ -263,7 +264,7 @@
           <a:p>
             <a:fld id="{1EA5F87C-6888-48AE-A515-9F02947AF35E}" type="datetimeFigureOut">
               <a:rPr lang="ko-KR" altLang="en-US" smtClean="0"/>
-              <a:t>2018-05-15</a:t>
+              <a:t>2018-05-22</a:t>
             </a:fld>
             <a:endParaRPr lang="ko-KR" altLang="en-US"/>
           </a:p>
@@ -461,7 +462,7 @@
           <a:p>
             <a:fld id="{1EA5F87C-6888-48AE-A515-9F02947AF35E}" type="datetimeFigureOut">
               <a:rPr lang="ko-KR" altLang="en-US" smtClean="0"/>
-              <a:t>2018-05-15</a:t>
+              <a:t>2018-05-22</a:t>
             </a:fld>
             <a:endParaRPr lang="ko-KR" altLang="en-US"/>
           </a:p>
@@ -669,7 +670,7 @@
           <a:p>
             <a:fld id="{1EA5F87C-6888-48AE-A515-9F02947AF35E}" type="datetimeFigureOut">
               <a:rPr lang="ko-KR" altLang="en-US" smtClean="0"/>
-              <a:t>2018-05-15</a:t>
+              <a:t>2018-05-22</a:t>
             </a:fld>
             <a:endParaRPr lang="ko-KR" altLang="en-US"/>
           </a:p>
@@ -867,7 +868,7 @@
           <a:p>
             <a:fld id="{1EA5F87C-6888-48AE-A515-9F02947AF35E}" type="datetimeFigureOut">
               <a:rPr lang="ko-KR" altLang="en-US" smtClean="0"/>
-              <a:t>2018-05-15</a:t>
+              <a:t>2018-05-22</a:t>
             </a:fld>
             <a:endParaRPr lang="ko-KR" altLang="en-US"/>
           </a:p>
@@ -1142,7 +1143,7 @@
           <a:p>
             <a:fld id="{1EA5F87C-6888-48AE-A515-9F02947AF35E}" type="datetimeFigureOut">
               <a:rPr lang="ko-KR" altLang="en-US" smtClean="0"/>
-              <a:t>2018-05-15</a:t>
+              <a:t>2018-05-22</a:t>
             </a:fld>
             <a:endParaRPr lang="ko-KR" altLang="en-US"/>
           </a:p>
@@ -1407,7 +1408,7 @@
           <a:p>
             <a:fld id="{1EA5F87C-6888-48AE-A515-9F02947AF35E}" type="datetimeFigureOut">
               <a:rPr lang="ko-KR" altLang="en-US" smtClean="0"/>
-              <a:t>2018-05-15</a:t>
+              <a:t>2018-05-22</a:t>
             </a:fld>
             <a:endParaRPr lang="ko-KR" altLang="en-US"/>
           </a:p>
@@ -1819,7 +1820,7 @@
           <a:p>
             <a:fld id="{1EA5F87C-6888-48AE-A515-9F02947AF35E}" type="datetimeFigureOut">
               <a:rPr lang="ko-KR" altLang="en-US" smtClean="0"/>
-              <a:t>2018-05-15</a:t>
+              <a:t>2018-05-22</a:t>
             </a:fld>
             <a:endParaRPr lang="ko-KR" altLang="en-US"/>
           </a:p>
@@ -1960,7 +1961,7 @@
           <a:p>
             <a:fld id="{1EA5F87C-6888-48AE-A515-9F02947AF35E}" type="datetimeFigureOut">
               <a:rPr lang="ko-KR" altLang="en-US" smtClean="0"/>
-              <a:t>2018-05-15</a:t>
+              <a:t>2018-05-22</a:t>
             </a:fld>
             <a:endParaRPr lang="ko-KR" altLang="en-US"/>
           </a:p>
@@ -2073,7 +2074,7 @@
           <a:p>
             <a:fld id="{1EA5F87C-6888-48AE-A515-9F02947AF35E}" type="datetimeFigureOut">
               <a:rPr lang="ko-KR" altLang="en-US" smtClean="0"/>
-              <a:t>2018-05-15</a:t>
+              <a:t>2018-05-22</a:t>
             </a:fld>
             <a:endParaRPr lang="ko-KR" altLang="en-US"/>
           </a:p>
@@ -2384,7 +2385,7 @@
           <a:p>
             <a:fld id="{1EA5F87C-6888-48AE-A515-9F02947AF35E}" type="datetimeFigureOut">
               <a:rPr lang="ko-KR" altLang="en-US" smtClean="0"/>
-              <a:t>2018-05-15</a:t>
+              <a:t>2018-05-22</a:t>
             </a:fld>
             <a:endParaRPr lang="ko-KR" altLang="en-US"/>
           </a:p>
@@ -2672,7 +2673,7 @@
           <a:p>
             <a:fld id="{1EA5F87C-6888-48AE-A515-9F02947AF35E}" type="datetimeFigureOut">
               <a:rPr lang="ko-KR" altLang="en-US" smtClean="0"/>
-              <a:t>2018-05-15</a:t>
+              <a:t>2018-05-22</a:t>
             </a:fld>
             <a:endParaRPr lang="ko-KR" altLang="en-US"/>
           </a:p>
@@ -2913,7 +2914,7 @@
           <a:p>
             <a:fld id="{1EA5F87C-6888-48AE-A515-9F02947AF35E}" type="datetimeFigureOut">
               <a:rPr lang="ko-KR" altLang="en-US" smtClean="0"/>
-              <a:t>2018-05-15</a:t>
+              <a:t>2018-05-22</a:t>
             </a:fld>
             <a:endParaRPr lang="ko-KR" altLang="en-US"/>
           </a:p>
@@ -7765,6 +7766,1026 @@
     <p:extLst>
       <p:ext uri="{BB962C8B-B14F-4D97-AF65-F5344CB8AC3E}">
         <p14:creationId xmlns:p14="http://schemas.microsoft.com/office/powerpoint/2010/main" val="4003285389"/>
+      </p:ext>
+    </p:extLst>
+  </p:cSld>
+  <p:clrMapOvr>
+    <a:masterClrMapping/>
+  </p:clrMapOvr>
+</p:sld>
+</file>
+
+<file path=ppt/slides/slide6.xml><?xml version="1.0" encoding="utf-8"?>
+<p:sld xmlns:a="http://schemas.openxmlformats.org/drawingml/2006/main" xmlns:r="http://schemas.openxmlformats.org/officeDocument/2006/relationships" xmlns:p="http://schemas.openxmlformats.org/presentationml/2006/main">
+  <p:cSld>
+    <p:spTree>
+      <p:nvGrpSpPr>
+        <p:cNvPr id="1" name=""/>
+        <p:cNvGrpSpPr/>
+        <p:nvPr/>
+      </p:nvGrpSpPr>
+      <p:grpSpPr>
+        <a:xfrm>
+          <a:off x="0" y="0"/>
+          <a:ext cx="0" cy="0"/>
+          <a:chOff x="0" y="0"/>
+          <a:chExt cx="0" cy="0"/>
+        </a:xfrm>
+      </p:grpSpPr>
+      <p:sp>
+        <p:nvSpPr>
+          <p:cNvPr id="5" name="직사각형 4">
+            <a:extLst>
+              <a:ext uri="{FF2B5EF4-FFF2-40B4-BE49-F238E27FC236}">
+                <a16:creationId xmlns:a16="http://schemas.microsoft.com/office/drawing/2014/main" id="{27324420-2E03-4FD7-8A84-A2468169B30F}"/>
+              </a:ext>
+            </a:extLst>
+          </p:cNvPr>
+          <p:cNvSpPr/>
+          <p:nvPr/>
+        </p:nvSpPr>
+        <p:spPr>
+          <a:xfrm>
+            <a:off x="1582723" y="1543574"/>
+            <a:ext cx="1719743" cy="746620"/>
+          </a:xfrm>
+          <a:prstGeom prst="rect">
+            <a:avLst/>
+          </a:prstGeom>
+        </p:spPr>
+        <p:style>
+          <a:lnRef idx="2">
+            <a:schemeClr val="accent5">
+              <a:shade val="50000"/>
+            </a:schemeClr>
+          </a:lnRef>
+          <a:fillRef idx="1">
+            <a:schemeClr val="accent5"/>
+          </a:fillRef>
+          <a:effectRef idx="0">
+            <a:schemeClr val="accent5"/>
+          </a:effectRef>
+          <a:fontRef idx="minor">
+            <a:schemeClr val="lt1"/>
+          </a:fontRef>
+        </p:style>
+        <p:txBody>
+          <a:bodyPr rtlCol="0" anchor="ctr"/>
+          <a:lstStyle/>
+          <a:p>
+            <a:pPr algn="ctr"/>
+            <a:r>
+              <a:rPr lang="en-US" altLang="ko-KR" dirty="0"/>
+              <a:t>k</a:t>
+            </a:r>
+            <a:r>
+              <a:rPr lang="ko-KR" altLang="en-US" dirty="0"/>
+              <a:t>값 입력</a:t>
+            </a:r>
+            <a:endParaRPr lang="en-US" altLang="ko-KR" dirty="0"/>
+          </a:p>
+        </p:txBody>
+      </p:sp>
+      <p:sp>
+        <p:nvSpPr>
+          <p:cNvPr id="6" name="직사각형 5">
+            <a:extLst>
+              <a:ext uri="{FF2B5EF4-FFF2-40B4-BE49-F238E27FC236}">
+                <a16:creationId xmlns:a16="http://schemas.microsoft.com/office/drawing/2014/main" id="{DA5DEEAE-548C-4AD4-8F2F-04EF9BF810E0}"/>
+              </a:ext>
+            </a:extLst>
+          </p:cNvPr>
+          <p:cNvSpPr/>
+          <p:nvPr/>
+        </p:nvSpPr>
+        <p:spPr>
+          <a:xfrm>
+            <a:off x="1465279" y="1409350"/>
+            <a:ext cx="1954627" cy="1015068"/>
+          </a:xfrm>
+          <a:prstGeom prst="rect">
+            <a:avLst/>
+          </a:prstGeom>
+          <a:noFill/>
+          <a:ln w="9525" cap="flat" cmpd="sng" algn="ctr">
+            <a:solidFill>
+              <a:schemeClr val="accent5"/>
+            </a:solidFill>
+            <a:prstDash val="solid"/>
+            <a:round/>
+            <a:headEnd type="none" w="med" len="med"/>
+            <a:tailEnd type="none" w="med" len="med"/>
+          </a:ln>
+        </p:spPr>
+        <p:style>
+          <a:lnRef idx="0">
+            <a:scrgbClr r="0" g="0" b="0"/>
+          </a:lnRef>
+          <a:fillRef idx="0">
+            <a:scrgbClr r="0" g="0" b="0"/>
+          </a:fillRef>
+          <a:effectRef idx="0">
+            <a:scrgbClr r="0" g="0" b="0"/>
+          </a:effectRef>
+          <a:fontRef idx="minor">
+            <a:schemeClr val="accent5"/>
+          </a:fontRef>
+        </p:style>
+        <p:txBody>
+          <a:bodyPr rtlCol="0" anchor="ctr"/>
+          <a:lstStyle/>
+          <a:p>
+            <a:pPr algn="ctr"/>
+            <a:endParaRPr lang="ko-KR" altLang="en-US"/>
+          </a:p>
+        </p:txBody>
+      </p:sp>
+      <p:sp>
+        <p:nvSpPr>
+          <p:cNvPr id="7" name="TextBox 6">
+            <a:extLst>
+              <a:ext uri="{FF2B5EF4-FFF2-40B4-BE49-F238E27FC236}">
+                <a16:creationId xmlns:a16="http://schemas.microsoft.com/office/drawing/2014/main" id="{E4B563D4-D6D1-430C-8B81-2087EC80C88C}"/>
+              </a:ext>
+            </a:extLst>
+          </p:cNvPr>
+          <p:cNvSpPr txBox="1"/>
+          <p:nvPr/>
+        </p:nvSpPr>
+        <p:spPr>
+          <a:xfrm>
+            <a:off x="1725335" y="1040018"/>
+            <a:ext cx="1434513" cy="369332"/>
+          </a:xfrm>
+          <a:prstGeom prst="rect">
+            <a:avLst/>
+          </a:prstGeom>
+          <a:noFill/>
+        </p:spPr>
+        <p:txBody>
+          <a:bodyPr wrap="square" rtlCol="0">
+            <a:spAutoFit/>
+          </a:bodyPr>
+          <a:lstStyle/>
+          <a:p>
+            <a:r>
+              <a:rPr lang="ko-KR" altLang="en-US" dirty="0"/>
+              <a:t>사용자 영역</a:t>
+            </a:r>
+          </a:p>
+        </p:txBody>
+      </p:sp>
+      <p:sp>
+        <p:nvSpPr>
+          <p:cNvPr id="8" name="직사각형 7">
+            <a:extLst>
+              <a:ext uri="{FF2B5EF4-FFF2-40B4-BE49-F238E27FC236}">
+                <a16:creationId xmlns:a16="http://schemas.microsoft.com/office/drawing/2014/main" id="{700E6754-35B1-421D-81D1-C6CA19CA8915}"/>
+              </a:ext>
+            </a:extLst>
+          </p:cNvPr>
+          <p:cNvSpPr/>
+          <p:nvPr/>
+        </p:nvSpPr>
+        <p:spPr>
+          <a:xfrm>
+            <a:off x="1582723" y="2703352"/>
+            <a:ext cx="1719743" cy="746620"/>
+          </a:xfrm>
+          <a:prstGeom prst="rect">
+            <a:avLst/>
+          </a:prstGeom>
+        </p:spPr>
+        <p:style>
+          <a:lnRef idx="2">
+            <a:schemeClr val="accent5">
+              <a:shade val="50000"/>
+            </a:schemeClr>
+          </a:lnRef>
+          <a:fillRef idx="1">
+            <a:schemeClr val="accent5"/>
+          </a:fillRef>
+          <a:effectRef idx="0">
+            <a:schemeClr val="accent5"/>
+          </a:effectRef>
+          <a:fontRef idx="minor">
+            <a:schemeClr val="lt1"/>
+          </a:fontRef>
+        </p:style>
+        <p:txBody>
+          <a:bodyPr rtlCol="0" anchor="ctr"/>
+          <a:lstStyle/>
+          <a:p>
+            <a:pPr algn="ctr"/>
+            <a:r>
+              <a:rPr lang="en-US" altLang="ko-KR" dirty="0"/>
+              <a:t>k</a:t>
+            </a:r>
+            <a:r>
+              <a:rPr lang="ko-KR" altLang="en-US" dirty="0"/>
+              <a:t>값 범위 확인</a:t>
+            </a:r>
+            <a:endParaRPr lang="en-US" altLang="ko-KR" dirty="0"/>
+          </a:p>
+        </p:txBody>
+      </p:sp>
+      <p:sp>
+        <p:nvSpPr>
+          <p:cNvPr id="9" name="직사각형 8">
+            <a:extLst>
+              <a:ext uri="{FF2B5EF4-FFF2-40B4-BE49-F238E27FC236}">
+                <a16:creationId xmlns:a16="http://schemas.microsoft.com/office/drawing/2014/main" id="{F1A49C45-B211-4659-A263-3B54D9D91C20}"/>
+              </a:ext>
+            </a:extLst>
+          </p:cNvPr>
+          <p:cNvSpPr/>
+          <p:nvPr/>
+        </p:nvSpPr>
+        <p:spPr>
+          <a:xfrm>
+            <a:off x="1582723" y="3728906"/>
+            <a:ext cx="1719743" cy="746620"/>
+          </a:xfrm>
+          <a:prstGeom prst="rect">
+            <a:avLst/>
+          </a:prstGeom>
+        </p:spPr>
+        <p:style>
+          <a:lnRef idx="2">
+            <a:schemeClr val="accent5">
+              <a:shade val="50000"/>
+            </a:schemeClr>
+          </a:lnRef>
+          <a:fillRef idx="1">
+            <a:schemeClr val="accent5"/>
+          </a:fillRef>
+          <a:effectRef idx="0">
+            <a:schemeClr val="accent5"/>
+          </a:effectRef>
+          <a:fontRef idx="minor">
+            <a:schemeClr val="lt1"/>
+          </a:fontRef>
+        </p:style>
+        <p:txBody>
+          <a:bodyPr rtlCol="0" anchor="ctr"/>
+          <a:lstStyle/>
+          <a:p>
+            <a:pPr algn="ctr"/>
+            <a:r>
+              <a:rPr lang="en-US" altLang="ko-KR" dirty="0"/>
+              <a:t>k</a:t>
+            </a:r>
+            <a:r>
+              <a:rPr lang="ko-KR" altLang="en-US" dirty="0"/>
+              <a:t>만큼의 </a:t>
+            </a:r>
+            <a:endParaRPr lang="en-US" altLang="ko-KR" dirty="0"/>
+          </a:p>
+          <a:p>
+            <a:pPr algn="ctr"/>
+            <a:r>
+              <a:rPr lang="ko-KR" altLang="en-US" dirty="0"/>
+              <a:t>동적배열 생성</a:t>
+            </a:r>
+            <a:endParaRPr lang="en-US" altLang="ko-KR" dirty="0"/>
+          </a:p>
+        </p:txBody>
+      </p:sp>
+      <p:sp>
+        <p:nvSpPr>
+          <p:cNvPr id="10" name="직사각형 9">
+            <a:extLst>
+              <a:ext uri="{FF2B5EF4-FFF2-40B4-BE49-F238E27FC236}">
+                <a16:creationId xmlns:a16="http://schemas.microsoft.com/office/drawing/2014/main" id="{AF2F91FC-5728-420E-8686-80394F0B6CE6}"/>
+              </a:ext>
+            </a:extLst>
+          </p:cNvPr>
+          <p:cNvSpPr/>
+          <p:nvPr/>
+        </p:nvSpPr>
+        <p:spPr>
+          <a:xfrm>
+            <a:off x="3540163" y="3661794"/>
+            <a:ext cx="1954627" cy="880844"/>
+          </a:xfrm>
+          <a:prstGeom prst="rect">
+            <a:avLst/>
+          </a:prstGeom>
+        </p:spPr>
+        <p:style>
+          <a:lnRef idx="2">
+            <a:schemeClr val="accent5">
+              <a:shade val="50000"/>
+            </a:schemeClr>
+          </a:lnRef>
+          <a:fillRef idx="1">
+            <a:schemeClr val="accent5"/>
+          </a:fillRef>
+          <a:effectRef idx="0">
+            <a:schemeClr val="accent5"/>
+          </a:effectRef>
+          <a:fontRef idx="minor">
+            <a:schemeClr val="lt1"/>
+          </a:fontRef>
+        </p:style>
+        <p:txBody>
+          <a:bodyPr rtlCol="0" anchor="ctr"/>
+          <a:lstStyle/>
+          <a:p>
+            <a:pPr algn="ctr"/>
+            <a:r>
+              <a:rPr lang="ko-KR" altLang="en-US" dirty="0"/>
+              <a:t>배열을 이용해</a:t>
+            </a:r>
+            <a:r>
+              <a:rPr lang="en-US" altLang="ko-KR" dirty="0"/>
+              <a:t>Sorted tag</a:t>
+            </a:r>
+          </a:p>
+          <a:p>
+            <a:pPr algn="ctr"/>
+            <a:r>
+              <a:rPr lang="ko-KR" altLang="en-US" dirty="0"/>
+              <a:t>연결리스트 탐색</a:t>
+            </a:r>
+            <a:endParaRPr lang="en-US" altLang="ko-KR" dirty="0"/>
+          </a:p>
+        </p:txBody>
+      </p:sp>
+      <p:sp>
+        <p:nvSpPr>
+          <p:cNvPr id="12" name="직사각형 11">
+            <a:extLst>
+              <a:ext uri="{FF2B5EF4-FFF2-40B4-BE49-F238E27FC236}">
+                <a16:creationId xmlns:a16="http://schemas.microsoft.com/office/drawing/2014/main" id="{BDB034CB-418F-4096-8A98-2EE427B627E8}"/>
+              </a:ext>
+            </a:extLst>
+          </p:cNvPr>
+          <p:cNvSpPr/>
+          <p:nvPr/>
+        </p:nvSpPr>
+        <p:spPr>
+          <a:xfrm>
+            <a:off x="7689927" y="3728906"/>
+            <a:ext cx="1719743" cy="746620"/>
+          </a:xfrm>
+          <a:prstGeom prst="rect">
+            <a:avLst/>
+          </a:prstGeom>
+        </p:spPr>
+        <p:style>
+          <a:lnRef idx="2">
+            <a:schemeClr val="accent5">
+              <a:shade val="50000"/>
+            </a:schemeClr>
+          </a:lnRef>
+          <a:fillRef idx="1">
+            <a:schemeClr val="accent5"/>
+          </a:fillRef>
+          <a:effectRef idx="0">
+            <a:schemeClr val="accent5"/>
+          </a:effectRef>
+          <a:fontRef idx="minor">
+            <a:schemeClr val="lt1"/>
+          </a:fontRef>
+        </p:style>
+        <p:txBody>
+          <a:bodyPr rtlCol="0" anchor="ctr"/>
+          <a:lstStyle/>
+          <a:p>
+            <a:pPr algn="ctr"/>
+            <a:r>
+              <a:rPr lang="en-US" altLang="ko-KR" dirty="0" err="1"/>
+              <a:t>kNN</a:t>
+            </a:r>
+            <a:r>
+              <a:rPr lang="en-US" altLang="ko-KR" dirty="0"/>
+              <a:t> </a:t>
+            </a:r>
+            <a:r>
+              <a:rPr lang="ko-KR" altLang="en-US" dirty="0"/>
+              <a:t>알고리즘</a:t>
+            </a:r>
+            <a:endParaRPr lang="en-US" altLang="ko-KR" dirty="0"/>
+          </a:p>
+        </p:txBody>
+      </p:sp>
+      <p:sp>
+        <p:nvSpPr>
+          <p:cNvPr id="13" name="직사각형 12">
+            <a:extLst>
+              <a:ext uri="{FF2B5EF4-FFF2-40B4-BE49-F238E27FC236}">
+                <a16:creationId xmlns:a16="http://schemas.microsoft.com/office/drawing/2014/main" id="{956DE987-6EE8-47C0-B0C1-A010946FCAED}"/>
+              </a:ext>
+            </a:extLst>
+          </p:cNvPr>
+          <p:cNvSpPr/>
+          <p:nvPr/>
+        </p:nvSpPr>
+        <p:spPr>
+          <a:xfrm>
+            <a:off x="7689926" y="4752797"/>
+            <a:ext cx="1719743" cy="746620"/>
+          </a:xfrm>
+          <a:prstGeom prst="rect">
+            <a:avLst/>
+          </a:prstGeom>
+        </p:spPr>
+        <p:style>
+          <a:lnRef idx="2">
+            <a:schemeClr val="accent5">
+              <a:shade val="50000"/>
+            </a:schemeClr>
+          </a:lnRef>
+          <a:fillRef idx="1">
+            <a:schemeClr val="accent5"/>
+          </a:fillRef>
+          <a:effectRef idx="0">
+            <a:schemeClr val="accent5"/>
+          </a:effectRef>
+          <a:fontRef idx="minor">
+            <a:schemeClr val="lt1"/>
+          </a:fontRef>
+        </p:style>
+        <p:txBody>
+          <a:bodyPr rtlCol="0" anchor="ctr"/>
+          <a:lstStyle/>
+          <a:p>
+            <a:pPr algn="ctr"/>
+            <a:r>
+              <a:rPr lang="en-US" altLang="ko-KR" dirty="0"/>
+              <a:t>Target</a:t>
+            </a:r>
+            <a:r>
+              <a:rPr lang="ko-KR" altLang="en-US" dirty="0"/>
+              <a:t> </a:t>
+            </a:r>
+            <a:r>
+              <a:rPr lang="en-US" altLang="ko-KR" dirty="0"/>
+              <a:t>Tag</a:t>
+            </a:r>
+            <a:r>
+              <a:rPr lang="ko-KR" altLang="en-US" dirty="0"/>
+              <a:t>의</a:t>
+            </a:r>
+            <a:endParaRPr lang="en-US" altLang="ko-KR" dirty="0"/>
+          </a:p>
+          <a:p>
+            <a:pPr algn="ctr"/>
+            <a:r>
+              <a:rPr lang="ko-KR" altLang="en-US" dirty="0"/>
+              <a:t>좌표 반환</a:t>
+            </a:r>
+            <a:endParaRPr lang="en-US" altLang="ko-KR" dirty="0"/>
+          </a:p>
+        </p:txBody>
+      </p:sp>
+      <p:sp>
+        <p:nvSpPr>
+          <p:cNvPr id="14" name="직사각형 13">
+            <a:extLst>
+              <a:ext uri="{FF2B5EF4-FFF2-40B4-BE49-F238E27FC236}">
+                <a16:creationId xmlns:a16="http://schemas.microsoft.com/office/drawing/2014/main" id="{FBBB8DDB-7F6B-46F4-8C05-4F09BC86C20C}"/>
+              </a:ext>
+            </a:extLst>
+          </p:cNvPr>
+          <p:cNvSpPr/>
+          <p:nvPr/>
+        </p:nvSpPr>
+        <p:spPr>
+          <a:xfrm>
+            <a:off x="5732487" y="3728906"/>
+            <a:ext cx="1719743" cy="746620"/>
+          </a:xfrm>
+          <a:prstGeom prst="rect">
+            <a:avLst/>
+          </a:prstGeom>
+        </p:spPr>
+        <p:style>
+          <a:lnRef idx="2">
+            <a:schemeClr val="accent5">
+              <a:shade val="50000"/>
+            </a:schemeClr>
+          </a:lnRef>
+          <a:fillRef idx="1">
+            <a:schemeClr val="accent5"/>
+          </a:fillRef>
+          <a:effectRef idx="0">
+            <a:schemeClr val="accent5"/>
+          </a:effectRef>
+          <a:fontRef idx="minor">
+            <a:schemeClr val="lt1"/>
+          </a:fontRef>
+        </p:style>
+        <p:txBody>
+          <a:bodyPr rtlCol="0" anchor="ctr"/>
+          <a:lstStyle/>
+          <a:p>
+            <a:pPr algn="ctr"/>
+            <a:r>
+              <a:rPr lang="ko-KR" altLang="en-US" dirty="0"/>
+              <a:t>배열 내의 합이</a:t>
+            </a:r>
+            <a:endParaRPr lang="en-US" altLang="ko-KR" dirty="0"/>
+          </a:p>
+          <a:p>
+            <a:pPr algn="ctr"/>
+            <a:r>
+              <a:rPr lang="ko-KR" altLang="en-US" dirty="0"/>
+              <a:t>가장 적은가</a:t>
+            </a:r>
+            <a:endParaRPr lang="en-US" altLang="ko-KR" dirty="0"/>
+          </a:p>
+        </p:txBody>
+      </p:sp>
+      <p:cxnSp>
+        <p:nvCxnSpPr>
+          <p:cNvPr id="16" name="직선 화살표 연결선 15">
+            <a:extLst>
+              <a:ext uri="{FF2B5EF4-FFF2-40B4-BE49-F238E27FC236}">
+                <a16:creationId xmlns:a16="http://schemas.microsoft.com/office/drawing/2014/main" id="{486CCFF4-AB49-4E5B-8D4E-1DA5D022D70C}"/>
+              </a:ext>
+            </a:extLst>
+          </p:cNvPr>
+          <p:cNvCxnSpPr>
+            <a:stCxn id="5" idx="2"/>
+            <a:endCxn id="8" idx="0"/>
+          </p:cNvCxnSpPr>
+          <p:nvPr/>
+        </p:nvCxnSpPr>
+        <p:spPr>
+          <a:xfrm>
+            <a:off x="2442595" y="2290194"/>
+            <a:ext cx="0" cy="413158"/>
+          </a:xfrm>
+          <a:prstGeom prst="straightConnector1">
+            <a:avLst/>
+          </a:prstGeom>
+          <a:ln>
+            <a:tailEnd type="triangle"/>
+          </a:ln>
+        </p:spPr>
+        <p:style>
+          <a:lnRef idx="3">
+            <a:schemeClr val="accent1"/>
+          </a:lnRef>
+          <a:fillRef idx="0">
+            <a:schemeClr val="accent1"/>
+          </a:fillRef>
+          <a:effectRef idx="2">
+            <a:schemeClr val="accent1"/>
+          </a:effectRef>
+          <a:fontRef idx="minor">
+            <a:schemeClr val="tx1"/>
+          </a:fontRef>
+        </p:style>
+      </p:cxnSp>
+      <p:cxnSp>
+        <p:nvCxnSpPr>
+          <p:cNvPr id="18" name="직선 화살표 연결선 17">
+            <a:extLst>
+              <a:ext uri="{FF2B5EF4-FFF2-40B4-BE49-F238E27FC236}">
+                <a16:creationId xmlns:a16="http://schemas.microsoft.com/office/drawing/2014/main" id="{90AA33F1-AF9A-48AF-8738-AD4EFC935FB0}"/>
+              </a:ext>
+            </a:extLst>
+          </p:cNvPr>
+          <p:cNvCxnSpPr>
+            <a:stCxn id="8" idx="2"/>
+            <a:endCxn id="9" idx="0"/>
+          </p:cNvCxnSpPr>
+          <p:nvPr/>
+        </p:nvCxnSpPr>
+        <p:spPr>
+          <a:xfrm>
+            <a:off x="2442595" y="3449972"/>
+            <a:ext cx="0" cy="278934"/>
+          </a:xfrm>
+          <a:prstGeom prst="straightConnector1">
+            <a:avLst/>
+          </a:prstGeom>
+          <a:ln>
+            <a:tailEnd type="triangle"/>
+          </a:ln>
+        </p:spPr>
+        <p:style>
+          <a:lnRef idx="3">
+            <a:schemeClr val="accent1"/>
+          </a:lnRef>
+          <a:fillRef idx="0">
+            <a:schemeClr val="accent1"/>
+          </a:fillRef>
+          <a:effectRef idx="2">
+            <a:schemeClr val="accent1"/>
+          </a:effectRef>
+          <a:fontRef idx="minor">
+            <a:schemeClr val="tx1"/>
+          </a:fontRef>
+        </p:style>
+      </p:cxnSp>
+      <p:cxnSp>
+        <p:nvCxnSpPr>
+          <p:cNvPr id="20" name="직선 화살표 연결선 19">
+            <a:extLst>
+              <a:ext uri="{FF2B5EF4-FFF2-40B4-BE49-F238E27FC236}">
+                <a16:creationId xmlns:a16="http://schemas.microsoft.com/office/drawing/2014/main" id="{CCC9D9C0-D655-43E8-836C-F475A6D02495}"/>
+              </a:ext>
+            </a:extLst>
+          </p:cNvPr>
+          <p:cNvCxnSpPr>
+            <a:stCxn id="9" idx="3"/>
+            <a:endCxn id="10" idx="1"/>
+          </p:cNvCxnSpPr>
+          <p:nvPr/>
+        </p:nvCxnSpPr>
+        <p:spPr>
+          <a:xfrm>
+            <a:off x="3302466" y="4102216"/>
+            <a:ext cx="237697" cy="0"/>
+          </a:xfrm>
+          <a:prstGeom prst="straightConnector1">
+            <a:avLst/>
+          </a:prstGeom>
+          <a:ln>
+            <a:tailEnd type="triangle"/>
+          </a:ln>
+        </p:spPr>
+        <p:style>
+          <a:lnRef idx="3">
+            <a:schemeClr val="accent1"/>
+          </a:lnRef>
+          <a:fillRef idx="0">
+            <a:schemeClr val="accent1"/>
+          </a:fillRef>
+          <a:effectRef idx="2">
+            <a:schemeClr val="accent1"/>
+          </a:effectRef>
+          <a:fontRef idx="minor">
+            <a:schemeClr val="tx1"/>
+          </a:fontRef>
+        </p:style>
+      </p:cxnSp>
+      <p:cxnSp>
+        <p:nvCxnSpPr>
+          <p:cNvPr id="22" name="직선 화살표 연결선 21">
+            <a:extLst>
+              <a:ext uri="{FF2B5EF4-FFF2-40B4-BE49-F238E27FC236}">
+                <a16:creationId xmlns:a16="http://schemas.microsoft.com/office/drawing/2014/main" id="{97284672-3FDB-4EDB-9496-4C0AFDF3D30B}"/>
+              </a:ext>
+            </a:extLst>
+          </p:cNvPr>
+          <p:cNvCxnSpPr>
+            <a:stCxn id="10" idx="3"/>
+            <a:endCxn id="14" idx="1"/>
+          </p:cNvCxnSpPr>
+          <p:nvPr/>
+        </p:nvCxnSpPr>
+        <p:spPr>
+          <a:xfrm>
+            <a:off x="5494790" y="4102216"/>
+            <a:ext cx="237697" cy="0"/>
+          </a:xfrm>
+          <a:prstGeom prst="straightConnector1">
+            <a:avLst/>
+          </a:prstGeom>
+          <a:ln>
+            <a:tailEnd type="triangle"/>
+          </a:ln>
+        </p:spPr>
+        <p:style>
+          <a:lnRef idx="3">
+            <a:schemeClr val="accent1"/>
+          </a:lnRef>
+          <a:fillRef idx="0">
+            <a:schemeClr val="accent1"/>
+          </a:fillRef>
+          <a:effectRef idx="2">
+            <a:schemeClr val="accent1"/>
+          </a:effectRef>
+          <a:fontRef idx="minor">
+            <a:schemeClr val="tx1"/>
+          </a:fontRef>
+        </p:style>
+      </p:cxnSp>
+      <p:cxnSp>
+        <p:nvCxnSpPr>
+          <p:cNvPr id="24" name="직선 화살표 연결선 23">
+            <a:extLst>
+              <a:ext uri="{FF2B5EF4-FFF2-40B4-BE49-F238E27FC236}">
+                <a16:creationId xmlns:a16="http://schemas.microsoft.com/office/drawing/2014/main" id="{C1B954C2-5E71-469A-AFF8-3F8867941B14}"/>
+              </a:ext>
+            </a:extLst>
+          </p:cNvPr>
+          <p:cNvCxnSpPr>
+            <a:stCxn id="14" idx="3"/>
+            <a:endCxn id="12" idx="1"/>
+          </p:cNvCxnSpPr>
+          <p:nvPr/>
+        </p:nvCxnSpPr>
+        <p:spPr>
+          <a:xfrm>
+            <a:off x="7452230" y="4102216"/>
+            <a:ext cx="237697" cy="0"/>
+          </a:xfrm>
+          <a:prstGeom prst="straightConnector1">
+            <a:avLst/>
+          </a:prstGeom>
+          <a:ln>
+            <a:tailEnd type="triangle"/>
+          </a:ln>
+        </p:spPr>
+        <p:style>
+          <a:lnRef idx="3">
+            <a:schemeClr val="accent1"/>
+          </a:lnRef>
+          <a:fillRef idx="0">
+            <a:schemeClr val="accent1"/>
+          </a:fillRef>
+          <a:effectRef idx="2">
+            <a:schemeClr val="accent1"/>
+          </a:effectRef>
+          <a:fontRef idx="minor">
+            <a:schemeClr val="tx1"/>
+          </a:fontRef>
+        </p:style>
+      </p:cxnSp>
+      <p:cxnSp>
+        <p:nvCxnSpPr>
+          <p:cNvPr id="26" name="직선 화살표 연결선 25">
+            <a:extLst>
+              <a:ext uri="{FF2B5EF4-FFF2-40B4-BE49-F238E27FC236}">
+                <a16:creationId xmlns:a16="http://schemas.microsoft.com/office/drawing/2014/main" id="{8F733752-4930-42E4-AAC4-CFED91A415A8}"/>
+              </a:ext>
+            </a:extLst>
+          </p:cNvPr>
+          <p:cNvCxnSpPr>
+            <a:stCxn id="12" idx="2"/>
+            <a:endCxn id="13" idx="0"/>
+          </p:cNvCxnSpPr>
+          <p:nvPr/>
+        </p:nvCxnSpPr>
+        <p:spPr>
+          <a:xfrm flipH="1">
+            <a:off x="8549798" y="4475526"/>
+            <a:ext cx="1" cy="277271"/>
+          </a:xfrm>
+          <a:prstGeom prst="straightConnector1">
+            <a:avLst/>
+          </a:prstGeom>
+          <a:ln>
+            <a:tailEnd type="triangle"/>
+          </a:ln>
+        </p:spPr>
+        <p:style>
+          <a:lnRef idx="3">
+            <a:schemeClr val="accent1"/>
+          </a:lnRef>
+          <a:fillRef idx="0">
+            <a:schemeClr val="accent1"/>
+          </a:fillRef>
+          <a:effectRef idx="2">
+            <a:schemeClr val="accent1"/>
+          </a:effectRef>
+          <a:fontRef idx="minor">
+            <a:schemeClr val="tx1"/>
+          </a:fontRef>
+        </p:style>
+      </p:cxnSp>
+      <p:cxnSp>
+        <p:nvCxnSpPr>
+          <p:cNvPr id="28" name="연결선: 꺾임 27">
+            <a:extLst>
+              <a:ext uri="{FF2B5EF4-FFF2-40B4-BE49-F238E27FC236}">
+                <a16:creationId xmlns:a16="http://schemas.microsoft.com/office/drawing/2014/main" id="{EB60F43D-9428-4FEA-A648-BB92884DF17F}"/>
+              </a:ext>
+            </a:extLst>
+          </p:cNvPr>
+          <p:cNvCxnSpPr>
+            <a:stCxn id="8" idx="3"/>
+            <a:endCxn id="5" idx="3"/>
+          </p:cNvCxnSpPr>
+          <p:nvPr/>
+        </p:nvCxnSpPr>
+        <p:spPr>
+          <a:xfrm flipV="1">
+            <a:off x="3302466" y="1916884"/>
+            <a:ext cx="12700" cy="1159778"/>
+          </a:xfrm>
+          <a:prstGeom prst="bentConnector3">
+            <a:avLst>
+              <a:gd name="adj1" fmla="val 2988992"/>
+            </a:avLst>
+          </a:prstGeom>
+          <a:ln>
+            <a:tailEnd type="triangle"/>
+          </a:ln>
+        </p:spPr>
+        <p:style>
+          <a:lnRef idx="3">
+            <a:schemeClr val="accent1"/>
+          </a:lnRef>
+          <a:fillRef idx="0">
+            <a:schemeClr val="accent1"/>
+          </a:fillRef>
+          <a:effectRef idx="2">
+            <a:schemeClr val="accent1"/>
+          </a:effectRef>
+          <a:fontRef idx="minor">
+            <a:schemeClr val="tx1"/>
+          </a:fontRef>
+        </p:style>
+      </p:cxnSp>
+      <p:cxnSp>
+        <p:nvCxnSpPr>
+          <p:cNvPr id="31" name="연결선: 꺾임 30">
+            <a:extLst>
+              <a:ext uri="{FF2B5EF4-FFF2-40B4-BE49-F238E27FC236}">
+                <a16:creationId xmlns:a16="http://schemas.microsoft.com/office/drawing/2014/main" id="{F1CC900C-D576-4C77-94C1-53CB3C4C7474}"/>
+              </a:ext>
+            </a:extLst>
+          </p:cNvPr>
+          <p:cNvCxnSpPr>
+            <a:stCxn id="14" idx="2"/>
+            <a:endCxn id="10" idx="2"/>
+          </p:cNvCxnSpPr>
+          <p:nvPr/>
+        </p:nvCxnSpPr>
+        <p:spPr>
+          <a:xfrm rot="5400000">
+            <a:off x="5521362" y="3471641"/>
+            <a:ext cx="67112" cy="2074882"/>
+          </a:xfrm>
+          <a:prstGeom prst="bentConnector3">
+            <a:avLst>
+              <a:gd name="adj1" fmla="val 640625"/>
+            </a:avLst>
+          </a:prstGeom>
+          <a:ln>
+            <a:tailEnd type="triangle"/>
+          </a:ln>
+        </p:spPr>
+        <p:style>
+          <a:lnRef idx="3">
+            <a:schemeClr val="accent1"/>
+          </a:lnRef>
+          <a:fillRef idx="0">
+            <a:schemeClr val="accent1"/>
+          </a:fillRef>
+          <a:effectRef idx="2">
+            <a:schemeClr val="accent1"/>
+          </a:effectRef>
+          <a:fontRef idx="minor">
+            <a:schemeClr val="tx1"/>
+          </a:fontRef>
+        </p:style>
+      </p:cxnSp>
+      <p:sp>
+        <p:nvSpPr>
+          <p:cNvPr id="34" name="TextBox 33">
+            <a:extLst>
+              <a:ext uri="{FF2B5EF4-FFF2-40B4-BE49-F238E27FC236}">
+                <a16:creationId xmlns:a16="http://schemas.microsoft.com/office/drawing/2014/main" id="{6F91D310-BC33-4AAE-A1EC-BCE02185505D}"/>
+              </a:ext>
+            </a:extLst>
+          </p:cNvPr>
+          <p:cNvSpPr txBox="1"/>
+          <p:nvPr/>
+        </p:nvSpPr>
+        <p:spPr>
+          <a:xfrm>
+            <a:off x="3242353" y="3076662"/>
+            <a:ext cx="595619" cy="338554"/>
+          </a:xfrm>
+          <a:prstGeom prst="rect">
+            <a:avLst/>
+          </a:prstGeom>
+          <a:noFill/>
+        </p:spPr>
+        <p:txBody>
+          <a:bodyPr wrap="square" rtlCol="0">
+            <a:spAutoFit/>
+          </a:bodyPr>
+          <a:lstStyle/>
+          <a:p>
+            <a:r>
+              <a:rPr lang="ko-KR" altLang="en-US" sz="1600" dirty="0"/>
+              <a:t>거짓</a:t>
+            </a:r>
+            <a:endParaRPr lang="ko-KR" altLang="en-US" dirty="0"/>
+          </a:p>
+        </p:txBody>
+      </p:sp>
+      <p:sp>
+        <p:nvSpPr>
+          <p:cNvPr id="35" name="TextBox 34">
+            <a:extLst>
+              <a:ext uri="{FF2B5EF4-FFF2-40B4-BE49-F238E27FC236}">
+                <a16:creationId xmlns:a16="http://schemas.microsoft.com/office/drawing/2014/main" id="{A119F33D-6318-409A-A0BD-70E95C866A75}"/>
+              </a:ext>
+            </a:extLst>
+          </p:cNvPr>
+          <p:cNvSpPr txBox="1"/>
+          <p:nvPr/>
+        </p:nvSpPr>
+        <p:spPr>
+          <a:xfrm>
+            <a:off x="6532245" y="4495002"/>
+            <a:ext cx="595619" cy="338554"/>
+          </a:xfrm>
+          <a:prstGeom prst="rect">
+            <a:avLst/>
+          </a:prstGeom>
+          <a:noFill/>
+        </p:spPr>
+        <p:txBody>
+          <a:bodyPr wrap="square" rtlCol="0">
+            <a:spAutoFit/>
+          </a:bodyPr>
+          <a:lstStyle/>
+          <a:p>
+            <a:r>
+              <a:rPr lang="ko-KR" altLang="en-US" sz="1600" dirty="0"/>
+              <a:t>거짓</a:t>
+            </a:r>
+            <a:endParaRPr lang="ko-KR" altLang="en-US" dirty="0"/>
+          </a:p>
+        </p:txBody>
+      </p:sp>
+      <p:sp>
+        <p:nvSpPr>
+          <p:cNvPr id="37" name="TextBox 36">
+            <a:extLst>
+              <a:ext uri="{FF2B5EF4-FFF2-40B4-BE49-F238E27FC236}">
+                <a16:creationId xmlns:a16="http://schemas.microsoft.com/office/drawing/2014/main" id="{89FFC495-859B-42CB-B3CE-54DC15CC1B4E}"/>
+              </a:ext>
+            </a:extLst>
+          </p:cNvPr>
+          <p:cNvSpPr txBox="1"/>
+          <p:nvPr/>
+        </p:nvSpPr>
+        <p:spPr>
+          <a:xfrm>
+            <a:off x="2439790" y="3429000"/>
+            <a:ext cx="125835" cy="338554"/>
+          </a:xfrm>
+          <a:prstGeom prst="rect">
+            <a:avLst/>
+          </a:prstGeom>
+          <a:noFill/>
+        </p:spPr>
+        <p:txBody>
+          <a:bodyPr wrap="square" rtlCol="0">
+            <a:spAutoFit/>
+          </a:bodyPr>
+          <a:lstStyle/>
+          <a:p>
+            <a:r>
+              <a:rPr lang="ko-KR" altLang="en-US" sz="1600" dirty="0"/>
+              <a:t>참</a:t>
+            </a:r>
+            <a:endParaRPr lang="ko-KR" altLang="en-US" dirty="0"/>
+          </a:p>
+        </p:txBody>
+      </p:sp>
+      <p:sp>
+        <p:nvSpPr>
+          <p:cNvPr id="38" name="TextBox 37">
+            <a:extLst>
+              <a:ext uri="{FF2B5EF4-FFF2-40B4-BE49-F238E27FC236}">
+                <a16:creationId xmlns:a16="http://schemas.microsoft.com/office/drawing/2014/main" id="{14025B31-2AA3-44BD-A397-45BBCB76D4AD}"/>
+              </a:ext>
+            </a:extLst>
+          </p:cNvPr>
+          <p:cNvSpPr txBox="1"/>
+          <p:nvPr/>
+        </p:nvSpPr>
+        <p:spPr>
+          <a:xfrm>
+            <a:off x="7400507" y="4119594"/>
+            <a:ext cx="125835" cy="338554"/>
+          </a:xfrm>
+          <a:prstGeom prst="rect">
+            <a:avLst/>
+          </a:prstGeom>
+          <a:noFill/>
+        </p:spPr>
+        <p:txBody>
+          <a:bodyPr wrap="square" rtlCol="0">
+            <a:spAutoFit/>
+          </a:bodyPr>
+          <a:lstStyle/>
+          <a:p>
+            <a:r>
+              <a:rPr lang="ko-KR" altLang="en-US" sz="1600" dirty="0"/>
+              <a:t>참</a:t>
+            </a:r>
+            <a:endParaRPr lang="ko-KR" altLang="en-US" dirty="0"/>
+          </a:p>
+        </p:txBody>
+      </p:sp>
+    </p:spTree>
+    <p:extLst>
+      <p:ext uri="{BB962C8B-B14F-4D97-AF65-F5344CB8AC3E}">
+        <p14:creationId xmlns:p14="http://schemas.microsoft.com/office/powerpoint/2010/main" val="1245610417"/>
       </p:ext>
     </p:extLst>
   </p:cSld>
